--- a/Test_GitHub_PPT.pptx
+++ b/Test_GitHub_PPT.pptx
@@ -6,6 +6,7 @@
   </p:sldMasterIdLst>
   <p:sldIdLst>
     <p:sldId id="256" r:id="rId2"/>
+    <p:sldId id="257" r:id="rId3"/>
   </p:sldIdLst>
   <p:sldSz cx="12192000" cy="6858000"/>
   <p:notesSz cx="6858000" cy="9144000"/>
@@ -104,7 +105,64 @@
       </a:defRPr>
     </a:lvl9pPr>
   </p:defaultTextStyle>
+  <p:extLst>
+    <p:ext uri="{EFAFB233-063F-42B5-8137-9DF3F51BA10A}">
+      <p15:sldGuideLst xmlns:p15="http://schemas.microsoft.com/office/powerpoint/2012/main"/>
+    </p:ext>
+  </p:extLst>
 </p:presentation>
+</file>
+
+<file path=ppt/changesInfos/changesInfo1.xml><?xml version="1.0" encoding="utf-8"?>
+<pc:chgInfo xmlns:a="http://schemas.openxmlformats.org/drawingml/2006/main" xmlns:r="http://schemas.openxmlformats.org/officeDocument/2006/relationships" xmlns:ac="http://schemas.microsoft.com/office/drawing/2013/main/command" xmlns:pc="http://schemas.microsoft.com/office/powerpoint/2013/main/command">
+  <pc:docChgLst>
+    <pc:chgData name="Zach Miller" userId="e3fd820e1a8a2a58" providerId="LiveId" clId="{5992045E-DC4A-432B-B72C-C9CBC17922B5}"/>
+    <pc:docChg chg="addSld modSld">
+      <pc:chgData name="Zach Miller" userId="e3fd820e1a8a2a58" providerId="LiveId" clId="{5992045E-DC4A-432B-B72C-C9CBC17922B5}" dt="2024-04-11T19:53:03.418" v="156" actId="20577"/>
+      <pc:docMkLst>
+        <pc:docMk/>
+      </pc:docMkLst>
+      <pc:sldChg chg="modSp mod">
+        <pc:chgData name="Zach Miller" userId="e3fd820e1a8a2a58" providerId="LiveId" clId="{5992045E-DC4A-432B-B72C-C9CBC17922B5}" dt="2024-04-11T19:52:28.323" v="19" actId="20577"/>
+        <pc:sldMkLst>
+          <pc:docMk/>
+          <pc:sldMk cId="860806748" sldId="256"/>
+        </pc:sldMkLst>
+        <pc:spChg chg="mod">
+          <ac:chgData name="Zach Miller" userId="e3fd820e1a8a2a58" providerId="LiveId" clId="{5992045E-DC4A-432B-B72C-C9CBC17922B5}" dt="2024-04-11T19:52:28.323" v="19" actId="20577"/>
+          <ac:spMkLst>
+            <pc:docMk/>
+            <pc:sldMk cId="860806748" sldId="256"/>
+            <ac:spMk id="3" creationId="{070A3600-1B3F-D26E-448A-A154CDCB513D}"/>
+          </ac:spMkLst>
+        </pc:spChg>
+      </pc:sldChg>
+      <pc:sldChg chg="modSp new mod">
+        <pc:chgData name="Zach Miller" userId="e3fd820e1a8a2a58" providerId="LiveId" clId="{5992045E-DC4A-432B-B72C-C9CBC17922B5}" dt="2024-04-11T19:53:03.418" v="156" actId="20577"/>
+        <pc:sldMkLst>
+          <pc:docMk/>
+          <pc:sldMk cId="3083081355" sldId="257"/>
+        </pc:sldMkLst>
+        <pc:spChg chg="mod">
+          <ac:chgData name="Zach Miller" userId="e3fd820e1a8a2a58" providerId="LiveId" clId="{5992045E-DC4A-432B-B72C-C9CBC17922B5}" dt="2024-04-11T19:52:42.085" v="31" actId="20577"/>
+          <ac:spMkLst>
+            <pc:docMk/>
+            <pc:sldMk cId="3083081355" sldId="257"/>
+            <ac:spMk id="2" creationId="{70077C67-DA6B-1F8E-DC52-8E2DCA2D0DF4}"/>
+          </ac:spMkLst>
+        </pc:spChg>
+        <pc:spChg chg="mod">
+          <ac:chgData name="Zach Miller" userId="e3fd820e1a8a2a58" providerId="LiveId" clId="{5992045E-DC4A-432B-B72C-C9CBC17922B5}" dt="2024-04-11T19:53:03.418" v="156" actId="20577"/>
+          <ac:spMkLst>
+            <pc:docMk/>
+            <pc:sldMk cId="3083081355" sldId="257"/>
+            <ac:spMk id="3" creationId="{02458E27-32E1-13B2-0478-B92963398786}"/>
+          </ac:spMkLst>
+        </pc:spChg>
+      </pc:sldChg>
+    </pc:docChg>
+  </pc:docChgLst>
+</pc:chgInfo>
 </file>
 
 <file path=ppt/slideLayouts/slideLayout1.xml><?xml version="1.0" encoding="utf-8"?>
@@ -3370,7 +3428,10 @@
           <a:bodyPr/>
           <a:lstStyle/>
           <a:p>
-            <a:endParaRPr lang="en-US"/>
+            <a:r>
+              <a:rPr lang="en-US" dirty="0"/>
+              <a:t>Zachary S Miller</a:t>
+            </a:r>
           </a:p>
         </p:txBody>
       </p:sp>
@@ -3378,6 +3439,96 @@
     <p:extLst>
       <p:ext uri="{BB962C8B-B14F-4D97-AF65-F5344CB8AC3E}">
         <p14:creationId xmlns:p14="http://schemas.microsoft.com/office/powerpoint/2010/main" val="860806748"/>
+      </p:ext>
+    </p:extLst>
+  </p:cSld>
+  <p:clrMapOvr>
+    <a:masterClrMapping/>
+  </p:clrMapOvr>
+</p:sld>
+</file>
+
+<file path=ppt/slides/slide2.xml><?xml version="1.0" encoding="utf-8"?>
+<p:sld xmlns:a="http://schemas.openxmlformats.org/drawingml/2006/main" xmlns:r="http://schemas.openxmlformats.org/officeDocument/2006/relationships" xmlns:p="http://schemas.openxmlformats.org/presentationml/2006/main">
+  <p:cSld>
+    <p:spTree>
+      <p:nvGrpSpPr>
+        <p:cNvPr id="1" name=""/>
+        <p:cNvGrpSpPr/>
+        <p:nvPr/>
+      </p:nvGrpSpPr>
+      <p:grpSpPr>
+        <a:xfrm>
+          <a:off x="0" y="0"/>
+          <a:ext cx="0" cy="0"/>
+          <a:chOff x="0" y="0"/>
+          <a:chExt cx="0" cy="0"/>
+        </a:xfrm>
+      </p:grpSpPr>
+      <p:sp>
+        <p:nvSpPr>
+          <p:cNvPr id="2" name="Title 1">
+            <a:extLst>
+              <a:ext uri="{FF2B5EF4-FFF2-40B4-BE49-F238E27FC236}">
+                <a16:creationId xmlns:a16="http://schemas.microsoft.com/office/drawing/2014/main" id="{70077C67-DA6B-1F8E-DC52-8E2DCA2D0DF4}"/>
+              </a:ext>
+            </a:extLst>
+          </p:cNvPr>
+          <p:cNvSpPr>
+            <a:spLocks noGrp="1"/>
+          </p:cNvSpPr>
+          <p:nvPr>
+            <p:ph type="title"/>
+          </p:nvPr>
+        </p:nvSpPr>
+        <p:spPr/>
+        <p:txBody>
+          <a:bodyPr/>
+          <a:lstStyle/>
+          <a:p>
+            <a:r>
+              <a:rPr lang="en-US" dirty="0"/>
+              <a:t>Update 1 </a:t>
+            </a:r>
+          </a:p>
+        </p:txBody>
+      </p:sp>
+      <p:sp>
+        <p:nvSpPr>
+          <p:cNvPr id="3" name="Content Placeholder 2">
+            <a:extLst>
+              <a:ext uri="{FF2B5EF4-FFF2-40B4-BE49-F238E27FC236}">
+                <a16:creationId xmlns:a16="http://schemas.microsoft.com/office/drawing/2014/main" id="{02458E27-32E1-13B2-0478-B92963398786}"/>
+              </a:ext>
+            </a:extLst>
+          </p:cNvPr>
+          <p:cNvSpPr>
+            <a:spLocks noGrp="1"/>
+          </p:cNvSpPr>
+          <p:nvPr>
+            <p:ph idx="1"/>
+          </p:nvPr>
+        </p:nvSpPr>
+        <p:spPr/>
+        <p:txBody>
+          <a:bodyPr/>
+          <a:lstStyle/>
+          <a:p>
+            <a:r>
+              <a:rPr lang="en-US" dirty="0"/>
+              <a:t>I am testing the functionality of editing a file within a branch to be pushed as a pull request to </a:t>
+            </a:r>
+            <a:r>
+              <a:rPr lang="en-US"/>
+              <a:t>a repository in GH</a:t>
+            </a:r>
+          </a:p>
+        </p:txBody>
+      </p:sp>
+    </p:spTree>
+    <p:extLst>
+      <p:ext uri="{BB962C8B-B14F-4D97-AF65-F5344CB8AC3E}">
+        <p14:creationId xmlns:p14="http://schemas.microsoft.com/office/powerpoint/2010/main" val="3083081355"/>
       </p:ext>
     </p:extLst>
   </p:cSld>

--- a/Test_GitHub_PPT.pptx
+++ b/Test_GitHub_PPT.pptx
@@ -7,6 +7,7 @@
   <p:sldIdLst>
     <p:sldId id="256" r:id="rId2"/>
     <p:sldId id="257" r:id="rId3"/>
+    <p:sldId id="258" r:id="rId4"/>
   </p:sldIdLst>
   <p:sldSz cx="12192000" cy="6858000"/>
   <p:notesSz cx="6858000" cy="9144000"/>
@@ -117,8 +118,8 @@
 <pc:chgInfo xmlns:a="http://schemas.openxmlformats.org/drawingml/2006/main" xmlns:r="http://schemas.openxmlformats.org/officeDocument/2006/relationships" xmlns:ac="http://schemas.microsoft.com/office/drawing/2013/main/command" xmlns:pc="http://schemas.microsoft.com/office/powerpoint/2013/main/command">
   <pc:docChgLst>
     <pc:chgData name="Zach Miller" userId="e3fd820e1a8a2a58" providerId="LiveId" clId="{5992045E-DC4A-432B-B72C-C9CBC17922B5}"/>
-    <pc:docChg chg="addSld modSld">
-      <pc:chgData name="Zach Miller" userId="e3fd820e1a8a2a58" providerId="LiveId" clId="{5992045E-DC4A-432B-B72C-C9CBC17922B5}" dt="2024-04-11T19:53:03.418" v="156" actId="20577"/>
+    <pc:docChg chg="custSel addSld modSld">
+      <pc:chgData name="Zach Miller" userId="e3fd820e1a8a2a58" providerId="LiveId" clId="{5992045E-DC4A-432B-B72C-C9CBC17922B5}" dt="2024-04-11T20:08:41.426" v="280" actId="20577"/>
       <pc:docMkLst>
         <pc:docMk/>
       </pc:docMkLst>
@@ -157,6 +158,29 @@
             <pc:docMk/>
             <pc:sldMk cId="3083081355" sldId="257"/>
             <ac:spMk id="3" creationId="{02458E27-32E1-13B2-0478-B92963398786}"/>
+          </ac:spMkLst>
+        </pc:spChg>
+      </pc:sldChg>
+      <pc:sldChg chg="modSp new mod">
+        <pc:chgData name="Zach Miller" userId="e3fd820e1a8a2a58" providerId="LiveId" clId="{5992045E-DC4A-432B-B72C-C9CBC17922B5}" dt="2024-04-11T20:08:41.426" v="280" actId="20577"/>
+        <pc:sldMkLst>
+          <pc:docMk/>
+          <pc:sldMk cId="3695805069" sldId="258"/>
+        </pc:sldMkLst>
+        <pc:spChg chg="mod">
+          <ac:chgData name="Zach Miller" userId="e3fd820e1a8a2a58" providerId="LiveId" clId="{5992045E-DC4A-432B-B72C-C9CBC17922B5}" dt="2024-04-11T20:08:09.353" v="183" actId="20577"/>
+          <ac:spMkLst>
+            <pc:docMk/>
+            <pc:sldMk cId="3695805069" sldId="258"/>
+            <ac:spMk id="2" creationId="{7E9EBB60-7E5B-101B-3F85-CD5AA228B855}"/>
+          </ac:spMkLst>
+        </pc:spChg>
+        <pc:spChg chg="mod">
+          <ac:chgData name="Zach Miller" userId="e3fd820e1a8a2a58" providerId="LiveId" clId="{5992045E-DC4A-432B-B72C-C9CBC17922B5}" dt="2024-04-11T20:08:41.426" v="280" actId="20577"/>
+          <ac:spMkLst>
+            <pc:docMk/>
+            <pc:sldMk cId="3695805069" sldId="258"/>
+            <ac:spMk id="3" creationId="{6DCD1CAC-3B6A-AF47-C72A-ADC528E58FA3}"/>
           </ac:spMkLst>
         </pc:spChg>
       </pc:sldChg>
@@ -3529,6 +3553,103 @@
     <p:extLst>
       <p:ext uri="{BB962C8B-B14F-4D97-AF65-F5344CB8AC3E}">
         <p14:creationId xmlns:p14="http://schemas.microsoft.com/office/powerpoint/2010/main" val="3083081355"/>
+      </p:ext>
+    </p:extLst>
+  </p:cSld>
+  <p:clrMapOvr>
+    <a:masterClrMapping/>
+  </p:clrMapOvr>
+</p:sld>
+</file>
+
+<file path=ppt/slides/slide3.xml><?xml version="1.0" encoding="utf-8"?>
+<p:sld xmlns:a="http://schemas.openxmlformats.org/drawingml/2006/main" xmlns:r="http://schemas.openxmlformats.org/officeDocument/2006/relationships" xmlns:p="http://schemas.openxmlformats.org/presentationml/2006/main">
+  <p:cSld>
+    <p:spTree>
+      <p:nvGrpSpPr>
+        <p:cNvPr id="1" name=""/>
+        <p:cNvGrpSpPr/>
+        <p:nvPr/>
+      </p:nvGrpSpPr>
+      <p:grpSpPr>
+        <a:xfrm>
+          <a:off x="0" y="0"/>
+          <a:ext cx="0" cy="0"/>
+          <a:chOff x="0" y="0"/>
+          <a:chExt cx="0" cy="0"/>
+        </a:xfrm>
+      </p:grpSpPr>
+      <p:sp>
+        <p:nvSpPr>
+          <p:cNvPr id="2" name="Title 1">
+            <a:extLst>
+              <a:ext uri="{FF2B5EF4-FFF2-40B4-BE49-F238E27FC236}">
+                <a16:creationId xmlns:a16="http://schemas.microsoft.com/office/drawing/2014/main" id="{7E9EBB60-7E5B-101B-3F85-CD5AA228B855}"/>
+              </a:ext>
+            </a:extLst>
+          </p:cNvPr>
+          <p:cNvSpPr>
+            <a:spLocks noGrp="1"/>
+          </p:cNvSpPr>
+          <p:nvPr>
+            <p:ph type="title"/>
+          </p:nvPr>
+        </p:nvSpPr>
+        <p:spPr/>
+        <p:txBody>
+          <a:bodyPr/>
+          <a:lstStyle/>
+          <a:p>
+            <a:r>
+              <a:rPr lang="en-US" dirty="0"/>
+              <a:t>Educational Background</a:t>
+            </a:r>
+          </a:p>
+        </p:txBody>
+      </p:sp>
+      <p:sp>
+        <p:nvSpPr>
+          <p:cNvPr id="3" name="Content Placeholder 2">
+            <a:extLst>
+              <a:ext uri="{FF2B5EF4-FFF2-40B4-BE49-F238E27FC236}">
+                <a16:creationId xmlns:a16="http://schemas.microsoft.com/office/drawing/2014/main" id="{6DCD1CAC-3B6A-AF47-C72A-ADC528E58FA3}"/>
+              </a:ext>
+            </a:extLst>
+          </p:cNvPr>
+          <p:cNvSpPr>
+            <a:spLocks noGrp="1"/>
+          </p:cNvSpPr>
+          <p:nvPr>
+            <p:ph idx="1"/>
+          </p:nvPr>
+        </p:nvSpPr>
+        <p:spPr/>
+        <p:txBody>
+          <a:bodyPr/>
+          <a:lstStyle/>
+          <a:p>
+            <a:r>
+              <a:rPr lang="en-US" dirty="0"/>
+              <a:t>University of Pittsburgh, MSHI, Aug 2025</a:t>
+            </a:r>
+          </a:p>
+          <a:p>
+            <a:r>
+              <a:rPr lang="en-US" dirty="0"/>
+              <a:t>University </a:t>
+            </a:r>
+            <a:r>
+              <a:rPr lang="en-US"/>
+              <a:t>of Wisconsin – Stevens Point, BS, May 2020</a:t>
+            </a:r>
+            <a:endParaRPr lang="en-US" dirty="0"/>
+          </a:p>
+        </p:txBody>
+      </p:sp>
+    </p:spTree>
+    <p:extLst>
+      <p:ext uri="{BB962C8B-B14F-4D97-AF65-F5344CB8AC3E}">
+        <p14:creationId xmlns:p14="http://schemas.microsoft.com/office/powerpoint/2010/main" val="3695805069"/>
       </p:ext>
     </p:extLst>
   </p:cSld>
